--- a/lesson09.pptx
+++ b/lesson09.pptx
@@ -150,7 +150,6 @@
 <file path=ppt/revisionInfo.xml><?xml version="1.0" encoding="utf-8"?>
 <p1510:revInfo xmlns:a="http://schemas.openxmlformats.org/drawingml/2006/main" xmlns:r="http://schemas.openxmlformats.org/officeDocument/2006/relationships" xmlns:p1510="http://schemas.microsoft.com/office/powerpoint/2015/10/main">
   <p1510:revLst>
-    <p1510:client id="{02CDA2EB-EE2D-497D-8631-9A667336BF04}" v="1" dt="2021-07-14T08:42:24.048"/>
     <p1510:client id="{19B599C2-205A-4BBA-A490-8EC35EA17040}" v="2" dt="2021-07-14T10:03:24.439"/>
   </p1510:revLst>
 </p1510:revInfo>
@@ -352,7 +351,7 @@
   <pc:docChgLst>
     <pc:chgData name="Anatoliy Kigel" userId="7432c6c4687b0a9c" providerId="LiveId" clId="{19B599C2-205A-4BBA-A490-8EC35EA17040}"/>
     <pc:docChg chg="undo custSel addSld delSld modSld">
-      <pc:chgData name="Anatoliy Kigel" userId="7432c6c4687b0a9c" providerId="LiveId" clId="{19B599C2-205A-4BBA-A490-8EC35EA17040}" dt="2021-07-14T10:05:21.895" v="165" actId="20577"/>
+      <pc:chgData name="Anatoliy Kigel" userId="7432c6c4687b0a9c" providerId="LiveId" clId="{19B599C2-205A-4BBA-A490-8EC35EA17040}" dt="2021-07-17T08:12:42.955" v="179" actId="1076"/>
       <pc:docMkLst>
         <pc:docMk/>
       </pc:docMkLst>
@@ -511,8 +510,8 @@
           </ac:spMkLst>
         </pc:spChg>
       </pc:sldChg>
-      <pc:sldChg chg="modSp mod">
-        <pc:chgData name="Anatoliy Kigel" userId="7432c6c4687b0a9c" providerId="LiveId" clId="{19B599C2-205A-4BBA-A490-8EC35EA17040}" dt="2021-07-14T10:03:34.259" v="138" actId="20577"/>
+      <pc:sldChg chg="addSp delSp modSp mod">
+        <pc:chgData name="Anatoliy Kigel" userId="7432c6c4687b0a9c" providerId="LiveId" clId="{19B599C2-205A-4BBA-A490-8EC35EA17040}" dt="2021-07-17T08:12:42.955" v="179" actId="1076"/>
         <pc:sldMkLst>
           <pc:docMk/>
           <pc:sldMk cId="2085824863" sldId="549"/>
@@ -525,6 +524,30 @@
             <ac:spMk id="8" creationId="{B924B2B4-5596-4C62-BB22-3C59A3A1A658}"/>
           </ac:spMkLst>
         </pc:spChg>
+        <pc:spChg chg="mod">
+          <ac:chgData name="Anatoliy Kigel" userId="7432c6c4687b0a9c" providerId="LiveId" clId="{19B599C2-205A-4BBA-A490-8EC35EA17040}" dt="2021-07-17T08:12:42.955" v="179" actId="1076"/>
+          <ac:spMkLst>
+            <pc:docMk/>
+            <pc:sldMk cId="2085824863" sldId="549"/>
+            <ac:spMk id="10" creationId="{00000000-0000-0000-0000-000000000000}"/>
+          </ac:spMkLst>
+        </pc:spChg>
+        <pc:picChg chg="del">
+          <ac:chgData name="Anatoliy Kigel" userId="7432c6c4687b0a9c" providerId="LiveId" clId="{19B599C2-205A-4BBA-A490-8EC35EA17040}" dt="2021-07-17T08:12:17.790" v="166" actId="478"/>
+          <ac:picMkLst>
+            <pc:docMk/>
+            <pc:sldMk cId="2085824863" sldId="549"/>
+            <ac:picMk id="3" creationId="{00000000-0000-0000-0000-000000000000}"/>
+          </ac:picMkLst>
+        </pc:picChg>
+        <pc:picChg chg="add mod">
+          <ac:chgData name="Anatoliy Kigel" userId="7432c6c4687b0a9c" providerId="LiveId" clId="{19B599C2-205A-4BBA-A490-8EC35EA17040}" dt="2021-07-17T08:12:23.035" v="169" actId="1076"/>
+          <ac:picMkLst>
+            <pc:docMk/>
+            <pc:sldMk cId="2085824863" sldId="549"/>
+            <ac:picMk id="4" creationId="{82524484-9B6B-4880-9F86-B87CD3FC2584}"/>
+          </ac:picMkLst>
+        </pc:picChg>
       </pc:sldChg>
       <pc:sldChg chg="del">
         <pc:chgData name="Anatoliy Kigel" userId="7432c6c4687b0a9c" providerId="LiveId" clId="{19B599C2-205A-4BBA-A490-8EC35EA17040}" dt="2021-07-14T10:01:26.246" v="64" actId="47"/>
@@ -660,7 +683,7 @@
             <a:fld id="{85522811-C5C6-42D2-A409-F8556720C93F}" type="datetimeFigureOut">
               <a:rPr lang="uk-UA" smtClean="0"/>
               <a:pPr/>
-              <a:t>14.07.2021</a:t>
+              <a:t>17.07.2021</a:t>
             </a:fld>
             <a:endParaRPr lang="uk-UA"/>
           </a:p>
@@ -1200,7 +1223,7 @@
             <a:fld id="{E6FC6B0D-6115-4D7C-8040-9C8E2349BB6E}" type="datetime1">
               <a:rPr lang="uk-UA" smtClean="0"/>
               <a:pPr/>
-              <a:t>14.07.2021</a:t>
+              <a:t>17.07.2021</a:t>
             </a:fld>
             <a:endParaRPr lang="uk-UA"/>
           </a:p>
@@ -1367,7 +1390,7 @@
             <a:fld id="{996367BA-0A39-4DE2-BFC3-D5290044365E}" type="datetime1">
               <a:rPr lang="uk-UA" smtClean="0"/>
               <a:pPr/>
-              <a:t>14.07.2021</a:t>
+              <a:t>17.07.2021</a:t>
             </a:fld>
             <a:endParaRPr lang="uk-UA"/>
           </a:p>
@@ -1544,7 +1567,7 @@
             <a:fld id="{1BD6A67F-6C29-47DC-AF8A-FDB3C787DF70}" type="datetime1">
               <a:rPr lang="uk-UA" smtClean="0"/>
               <a:pPr/>
-              <a:t>14.07.2021</a:t>
+              <a:t>17.07.2021</a:t>
             </a:fld>
             <a:endParaRPr lang="uk-UA"/>
           </a:p>
@@ -1711,7 +1734,7 @@
             <a:fld id="{1657D9C5-7FF1-434F-B56E-9BAD559744E9}" type="datetime1">
               <a:rPr lang="uk-UA" smtClean="0"/>
               <a:pPr/>
-              <a:t>14.07.2021</a:t>
+              <a:t>17.07.2021</a:t>
             </a:fld>
             <a:endParaRPr lang="uk-UA"/>
           </a:p>
@@ -1954,7 +1977,7 @@
             <a:fld id="{2CEB0FC9-DE63-476B-A1A9-BE934D9049F8}" type="datetime1">
               <a:rPr lang="uk-UA" smtClean="0"/>
               <a:pPr/>
-              <a:t>14.07.2021</a:t>
+              <a:t>17.07.2021</a:t>
             </a:fld>
             <a:endParaRPr lang="uk-UA"/>
           </a:p>
@@ -2239,7 +2262,7 @@
             <a:fld id="{F964460F-86E2-4DF6-9D0F-12F5005CF375}" type="datetime1">
               <a:rPr lang="uk-UA" smtClean="0"/>
               <a:pPr/>
-              <a:t>14.07.2021</a:t>
+              <a:t>17.07.2021</a:t>
             </a:fld>
             <a:endParaRPr lang="uk-UA"/>
           </a:p>
@@ -2658,7 +2681,7 @@
             <a:fld id="{C521715E-DDCD-4267-B0A5-2918B6F6768A}" type="datetime1">
               <a:rPr lang="uk-UA" smtClean="0"/>
               <a:pPr/>
-              <a:t>14.07.2021</a:t>
+              <a:t>17.07.2021</a:t>
             </a:fld>
             <a:endParaRPr lang="uk-UA"/>
           </a:p>
@@ -2773,7 +2796,7 @@
             <a:fld id="{9289842C-EB2D-4EBB-A272-2F6A49D9794D}" type="datetime1">
               <a:rPr lang="uk-UA" smtClean="0"/>
               <a:pPr/>
-              <a:t>14.07.2021</a:t>
+              <a:t>17.07.2021</a:t>
             </a:fld>
             <a:endParaRPr lang="uk-UA"/>
           </a:p>
@@ -2865,7 +2888,7 @@
             <a:fld id="{D036F091-B700-4B52-99AC-85D0FD94D904}" type="datetime1">
               <a:rPr lang="uk-UA" smtClean="0"/>
               <a:pPr/>
-              <a:t>14.07.2021</a:t>
+              <a:t>17.07.2021</a:t>
             </a:fld>
             <a:endParaRPr lang="uk-UA"/>
           </a:p>
@@ -3139,7 +3162,7 @@
             <a:fld id="{B35DFABA-3811-4634-B803-2EAC4CD0063B}" type="datetime1">
               <a:rPr lang="uk-UA" smtClean="0"/>
               <a:pPr/>
-              <a:t>14.07.2021</a:t>
+              <a:t>17.07.2021</a:t>
             </a:fld>
             <a:endParaRPr lang="uk-UA"/>
           </a:p>
@@ -3389,7 +3412,7 @@
             <a:fld id="{8A9EA25E-F88E-463A-A119-D1E55A881002}" type="datetime1">
               <a:rPr lang="uk-UA" smtClean="0"/>
               <a:pPr/>
-              <a:t>14.07.2021</a:t>
+              <a:t>17.07.2021</a:t>
             </a:fld>
             <a:endParaRPr lang="uk-UA"/>
           </a:p>
@@ -3599,7 +3622,7 @@
             <a:fld id="{E708ED03-0080-49A2-B709-7DA4ACB3A1C3}" type="datetime1">
               <a:rPr lang="uk-UA" smtClean="0"/>
               <a:pPr/>
-              <a:t>14.07.2021</a:t>
+              <a:t>17.07.2021</a:t>
             </a:fld>
             <a:endParaRPr lang="uk-UA"/>
           </a:p>
@@ -5199,8 +5222,8 @@
         </p:nvSpPr>
         <p:spPr>
           <a:xfrm>
-            <a:off x="6952130" y="3486487"/>
-            <a:ext cx="4328446" cy="2246769"/>
+            <a:off x="7060142" y="3283053"/>
+            <a:ext cx="3752382" cy="2246769"/>
           </a:xfrm>
           <a:prstGeom prst="rect">
             <a:avLst/>
@@ -5231,11 +5254,11 @@
             </a:r>
             <a:r>
               <a:rPr lang="ru-RU" sz="2800" b="1" dirty="0"/>
-              <a:t>актуальными</a:t>
+              <a:t>актуальным</a:t>
             </a:r>
             <a:r>
               <a:rPr lang="ru-RU" sz="2800" dirty="0"/>
-              <a:t> курсами валют НБУ.</a:t>
+              <a:t> курсом валют НБУ.</a:t>
             </a:r>
           </a:p>
         </p:txBody>
@@ -5271,9 +5294,99 @@
           </a:p>
         </p:txBody>
       </p:sp>
+      <p:sp>
+        <p:nvSpPr>
+          <p:cNvPr id="8" name="TextBox 7">
+            <a:extLst>
+              <a:ext uri="{FF2B5EF4-FFF2-40B4-BE49-F238E27FC236}">
+                <a16:creationId xmlns:a16="http://schemas.microsoft.com/office/drawing/2014/main" id="{B924B2B4-5596-4C62-BB22-3C59A3A1A658}"/>
+              </a:ext>
+            </a:extLst>
+          </p:cNvPr>
+          <p:cNvSpPr txBox="1"/>
+          <p:nvPr/>
+        </p:nvSpPr>
+        <p:spPr>
+          <a:xfrm>
+            <a:off x="6952130" y="1844824"/>
+            <a:ext cx="3968406" cy="1015663"/>
+          </a:xfrm>
+          <a:prstGeom prst="rect">
+            <a:avLst/>
+          </a:prstGeom>
+          <a:noFill/>
+        </p:spPr>
+        <p:txBody>
+          <a:bodyPr wrap="square">
+            <a:spAutoFit/>
+          </a:bodyPr>
+          <a:lstStyle/>
+          <a:p>
+            <a:r>
+              <a:rPr lang="ru-RU" sz="2000" dirty="0"/>
+              <a:t>Воспользуйтесь шаблоном</a:t>
+            </a:r>
+            <a:r>
+              <a:rPr lang="en-US" sz="2000" dirty="0"/>
+              <a:t> </a:t>
+            </a:r>
+            <a:r>
+              <a:rPr lang="ru-RU" sz="2000" dirty="0"/>
+              <a:t>в репозитории занятия </a:t>
+            </a:r>
+            <a:r>
+              <a:rPr lang="en-US" sz="2000" b="1" dirty="0">
+                <a:solidFill>
+                  <a:srgbClr val="0070C0"/>
+                </a:solidFill>
+              </a:rPr>
+              <a:t>./</a:t>
+            </a:r>
+            <a:r>
+              <a:rPr lang="en-US" sz="2000" b="1" dirty="0" err="1">
+                <a:solidFill>
+                  <a:srgbClr val="0070C0"/>
+                </a:solidFill>
+              </a:rPr>
+              <a:t>src</a:t>
+            </a:r>
+            <a:r>
+              <a:rPr lang="en-US" sz="2000" b="1" dirty="0">
+                <a:solidFill>
+                  <a:srgbClr val="0070C0"/>
+                </a:solidFill>
+              </a:rPr>
+              <a:t>/</a:t>
+            </a:r>
+            <a:r>
+              <a:rPr lang="en-US" sz="2000" b="1" dirty="0" err="1">
+                <a:solidFill>
+                  <a:srgbClr val="0070C0"/>
+                </a:solidFill>
+              </a:rPr>
+              <a:t>dom</a:t>
+            </a:r>
+            <a:r>
+              <a:rPr lang="en-US" sz="2000" b="1" dirty="0">
+                <a:solidFill>
+                  <a:srgbClr val="0070C0"/>
+                </a:solidFill>
+              </a:rPr>
+              <a:t>-example</a:t>
+            </a:r>
+            <a:endParaRPr lang="uk-UA" sz="2000" b="1" dirty="0"/>
+          </a:p>
+        </p:txBody>
+      </p:sp>
       <p:pic>
         <p:nvPicPr>
-          <p:cNvPr id="3" name="Рисунок 2"/>
+          <p:cNvPr id="4" name="Рисунок 3">
+            <a:extLst>
+              <a:ext uri="{FF2B5EF4-FFF2-40B4-BE49-F238E27FC236}">
+                <a16:creationId xmlns:a16="http://schemas.microsoft.com/office/drawing/2014/main" id="{82524484-9B6B-4880-9F86-B87CD3FC2584}"/>
+              </a:ext>
+            </a:extLst>
+          </p:cNvPr>
           <p:cNvPicPr>
             <a:picLocks noChangeAspect="1"/>
           </p:cNvPicPr>
@@ -5287,98 +5400,14 @@
         </p:blipFill>
         <p:spPr>
           <a:xfrm>
-            <a:off x="839416" y="1544092"/>
-            <a:ext cx="5653803" cy="4549204"/>
+            <a:off x="407368" y="1916832"/>
+            <a:ext cx="6027680" cy="3621782"/>
           </a:xfrm>
           <a:prstGeom prst="rect">
             <a:avLst/>
           </a:prstGeom>
         </p:spPr>
       </p:pic>
-      <p:sp>
-        <p:nvSpPr>
-          <p:cNvPr id="8" name="TextBox 7">
-            <a:extLst>
-              <a:ext uri="{FF2B5EF4-FFF2-40B4-BE49-F238E27FC236}">
-                <a16:creationId xmlns:a16="http://schemas.microsoft.com/office/drawing/2014/main" id="{B924B2B4-5596-4C62-BB22-3C59A3A1A658}"/>
-              </a:ext>
-            </a:extLst>
-          </p:cNvPr>
-          <p:cNvSpPr txBox="1"/>
-          <p:nvPr/>
-        </p:nvSpPr>
-        <p:spPr>
-          <a:xfrm>
-            <a:off x="6952130" y="1844824"/>
-            <a:ext cx="3968406" cy="1015663"/>
-          </a:xfrm>
-          <a:prstGeom prst="rect">
-            <a:avLst/>
-          </a:prstGeom>
-          <a:noFill/>
-        </p:spPr>
-        <p:txBody>
-          <a:bodyPr wrap="square">
-            <a:spAutoFit/>
-          </a:bodyPr>
-          <a:lstStyle/>
-          <a:p>
-            <a:r>
-              <a:rPr lang="ru-RU" sz="2000" dirty="0"/>
-              <a:t>Воспользуйтесь шаблоном</a:t>
-            </a:r>
-            <a:r>
-              <a:rPr lang="en-US" sz="2000" dirty="0"/>
-              <a:t> </a:t>
-            </a:r>
-            <a:r>
-              <a:rPr lang="ru-RU" sz="2000" dirty="0"/>
-              <a:t>в репозитории занятия </a:t>
-            </a:r>
-            <a:r>
-              <a:rPr lang="en-US" sz="2000" b="1" dirty="0">
-                <a:solidFill>
-                  <a:srgbClr val="0070C0"/>
-                </a:solidFill>
-              </a:rPr>
-              <a:t>./</a:t>
-            </a:r>
-            <a:r>
-              <a:rPr lang="en-US" sz="2000" b="1" dirty="0" err="1">
-                <a:solidFill>
-                  <a:srgbClr val="0070C0"/>
-                </a:solidFill>
-              </a:rPr>
-              <a:t>src</a:t>
-            </a:r>
-            <a:r>
-              <a:rPr lang="en-US" sz="2000" b="1" dirty="0">
-                <a:solidFill>
-                  <a:srgbClr val="0070C0"/>
-                </a:solidFill>
-              </a:rPr>
-              <a:t>/</a:t>
-            </a:r>
-            <a:r>
-              <a:rPr lang="en-US" sz="2000" b="1" dirty="0" err="1">
-                <a:solidFill>
-                  <a:srgbClr val="0070C0"/>
-                </a:solidFill>
-              </a:rPr>
-              <a:t>dom</a:t>
-            </a:r>
-            <a:r>
-              <a:rPr lang="en-US" sz="2000" b="1" dirty="0">
-                <a:solidFill>
-                  <a:srgbClr val="0070C0"/>
-                </a:solidFill>
-              </a:rPr>
-              <a:t>-example</a:t>
-            </a:r>
-            <a:endParaRPr lang="uk-UA" sz="2000" b="1" dirty="0"/>
-          </a:p>
-        </p:txBody>
-      </p:sp>
     </p:spTree>
     <p:extLst>
       <p:ext uri="{BB962C8B-B14F-4D97-AF65-F5344CB8AC3E}">
